--- a/Dijkstran algoritmi Seminaari.pptx
+++ b/Dijkstran algoritmi Seminaari.pptx
@@ -7,15 +7,14 @@
   <p:sldIdLst>
     <p:sldId id="256" r:id="rId2"/>
     <p:sldId id="257" r:id="rId3"/>
-    <p:sldId id="258" r:id="rId4"/>
-    <p:sldId id="259" r:id="rId5"/>
-    <p:sldId id="260" r:id="rId6"/>
-    <p:sldId id="261" r:id="rId7"/>
-    <p:sldId id="262" r:id="rId8"/>
-    <p:sldId id="263" r:id="rId9"/>
-    <p:sldId id="264" r:id="rId10"/>
-    <p:sldId id="266" r:id="rId11"/>
-    <p:sldId id="265" r:id="rId12"/>
+    <p:sldId id="259" r:id="rId4"/>
+    <p:sldId id="260" r:id="rId5"/>
+    <p:sldId id="261" r:id="rId6"/>
+    <p:sldId id="262" r:id="rId7"/>
+    <p:sldId id="263" r:id="rId8"/>
+    <p:sldId id="264" r:id="rId9"/>
+    <p:sldId id="266" r:id="rId10"/>
+    <p:sldId id="265" r:id="rId11"/>
   </p:sldIdLst>
   <p:sldSz cx="12192000" cy="6858000"/>
   <p:notesSz cx="6858000" cy="9144000"/>
@@ -114,6 +113,11 @@
       </a:defRPr>
     </a:lvl9pPr>
   </p:defaultTextStyle>
+  <p:extLst>
+    <p:ext uri="{EFAFB233-063F-42B5-8137-9DF3F51BA10A}">
+      <p15:sldGuideLst xmlns:p15="http://schemas.microsoft.com/office/powerpoint/2012/main"/>
+    </p:ext>
+  </p:extLst>
 </p:presentation>
 </file>
 
@@ -303,7 +307,7 @@
           <a:p>
             <a:fld id="{D376B36F-1CF8-4130-9190-DF95B7A288D0}" type="datetimeFigureOut">
               <a:rPr lang="en-US" smtClean="0"/>
-              <a:t>12/2/2016</a:t>
+              <a:t>12/4/2016</a:t>
             </a:fld>
             <a:endParaRPr lang="en-US"/>
           </a:p>
@@ -578,7 +582,7 @@
           <a:p>
             <a:fld id="{D376B36F-1CF8-4130-9190-DF95B7A288D0}" type="datetimeFigureOut">
               <a:rPr lang="en-US" smtClean="0"/>
-              <a:t>12/2/2016</a:t>
+              <a:t>12/4/2016</a:t>
             </a:fld>
             <a:endParaRPr lang="en-US"/>
           </a:p>
@@ -772,7 +776,7 @@
           <a:p>
             <a:fld id="{D376B36F-1CF8-4130-9190-DF95B7A288D0}" type="datetimeFigureOut">
               <a:rPr lang="en-US" smtClean="0"/>
-              <a:t>12/2/2016</a:t>
+              <a:t>12/4/2016</a:t>
             </a:fld>
             <a:endParaRPr lang="en-US"/>
           </a:p>
@@ -1045,7 +1049,7 @@
           <a:p>
             <a:fld id="{D376B36F-1CF8-4130-9190-DF95B7A288D0}" type="datetimeFigureOut">
               <a:rPr lang="en-US" smtClean="0"/>
-              <a:t>12/2/2016</a:t>
+              <a:t>12/4/2016</a:t>
             </a:fld>
             <a:endParaRPr lang="en-US"/>
           </a:p>
@@ -1386,7 +1390,7 @@
           <a:p>
             <a:fld id="{D376B36F-1CF8-4130-9190-DF95B7A288D0}" type="datetimeFigureOut">
               <a:rPr lang="en-US" smtClean="0"/>
-              <a:t>12/2/2016</a:t>
+              <a:t>12/4/2016</a:t>
             </a:fld>
             <a:endParaRPr lang="en-US"/>
           </a:p>
@@ -2009,7 +2013,7 @@
           <a:p>
             <a:fld id="{D376B36F-1CF8-4130-9190-DF95B7A288D0}" type="datetimeFigureOut">
               <a:rPr lang="en-US" smtClean="0"/>
-              <a:t>12/2/2016</a:t>
+              <a:t>12/4/2016</a:t>
             </a:fld>
             <a:endParaRPr lang="en-US"/>
           </a:p>
@@ -2869,7 +2873,7 @@
           <a:p>
             <a:fld id="{D376B36F-1CF8-4130-9190-DF95B7A288D0}" type="datetimeFigureOut">
               <a:rPr lang="en-US" smtClean="0"/>
-              <a:t>12/2/2016</a:t>
+              <a:t>12/4/2016</a:t>
             </a:fld>
             <a:endParaRPr lang="en-US"/>
           </a:p>
@@ -3039,7 +3043,7 @@
           <a:p>
             <a:fld id="{D376B36F-1CF8-4130-9190-DF95B7A288D0}" type="datetimeFigureOut">
               <a:rPr lang="en-US" smtClean="0"/>
-              <a:t>12/2/2016</a:t>
+              <a:t>12/4/2016</a:t>
             </a:fld>
             <a:endParaRPr lang="en-US"/>
           </a:p>
@@ -3219,7 +3223,7 @@
           <a:p>
             <a:fld id="{D376B36F-1CF8-4130-9190-DF95B7A288D0}" type="datetimeFigureOut">
               <a:rPr lang="en-US" smtClean="0"/>
-              <a:t>12/2/2016</a:t>
+              <a:t>12/4/2016</a:t>
             </a:fld>
             <a:endParaRPr lang="en-US"/>
           </a:p>
@@ -3389,7 +3393,7 @@
           <a:p>
             <a:fld id="{D376B36F-1CF8-4130-9190-DF95B7A288D0}" type="datetimeFigureOut">
               <a:rPr lang="en-US" smtClean="0"/>
-              <a:t>12/2/2016</a:t>
+              <a:t>12/4/2016</a:t>
             </a:fld>
             <a:endParaRPr lang="en-US"/>
           </a:p>
@@ -3636,7 +3640,7 @@
           <a:p>
             <a:fld id="{D376B36F-1CF8-4130-9190-DF95B7A288D0}" type="datetimeFigureOut">
               <a:rPr lang="en-US" smtClean="0"/>
-              <a:t>12/2/2016</a:t>
+              <a:t>12/4/2016</a:t>
             </a:fld>
             <a:endParaRPr lang="en-US"/>
           </a:p>
@@ -3928,7 +3932,7 @@
           <a:p>
             <a:fld id="{D376B36F-1CF8-4130-9190-DF95B7A288D0}" type="datetimeFigureOut">
               <a:rPr lang="en-US" smtClean="0"/>
-              <a:t>12/2/2016</a:t>
+              <a:t>12/4/2016</a:t>
             </a:fld>
             <a:endParaRPr lang="en-US"/>
           </a:p>
@@ -4372,7 +4376,7 @@
           <a:p>
             <a:fld id="{D376B36F-1CF8-4130-9190-DF95B7A288D0}" type="datetimeFigureOut">
               <a:rPr lang="en-US" smtClean="0"/>
-              <a:t>12/2/2016</a:t>
+              <a:t>12/4/2016</a:t>
             </a:fld>
             <a:endParaRPr lang="en-US"/>
           </a:p>
@@ -4490,7 +4494,7 @@
           <a:p>
             <a:fld id="{D376B36F-1CF8-4130-9190-DF95B7A288D0}" type="datetimeFigureOut">
               <a:rPr lang="en-US" smtClean="0"/>
-              <a:t>12/2/2016</a:t>
+              <a:t>12/4/2016</a:t>
             </a:fld>
             <a:endParaRPr lang="en-US"/>
           </a:p>
@@ -4585,7 +4589,7 @@
           <a:p>
             <a:fld id="{D376B36F-1CF8-4130-9190-DF95B7A288D0}" type="datetimeFigureOut">
               <a:rPr lang="en-US" smtClean="0"/>
-              <a:t>12/2/2016</a:t>
+              <a:t>12/4/2016</a:t>
             </a:fld>
             <a:endParaRPr lang="en-US"/>
           </a:p>
@@ -4864,7 +4868,7 @@
           <a:p>
             <a:fld id="{D376B36F-1CF8-4130-9190-DF95B7A288D0}" type="datetimeFigureOut">
               <a:rPr lang="en-US" smtClean="0"/>
-              <a:t>12/2/2016</a:t>
+              <a:t>12/4/2016</a:t>
             </a:fld>
             <a:endParaRPr lang="en-US"/>
           </a:p>
@@ -5139,7 +5143,7 @@
           <a:p>
             <a:fld id="{D376B36F-1CF8-4130-9190-DF95B7A288D0}" type="datetimeFigureOut">
               <a:rPr lang="en-US" smtClean="0"/>
-              <a:t>12/2/2016</a:t>
+              <a:t>12/4/2016</a:t>
             </a:fld>
             <a:endParaRPr lang="en-US"/>
           </a:p>
@@ -5568,7 +5572,7 @@
           <a:p>
             <a:fld id="{D376B36F-1CF8-4130-9190-DF95B7A288D0}" type="datetimeFigureOut">
               <a:rPr lang="en-US" smtClean="0"/>
-              <a:t>12/2/2016</a:t>
+              <a:t>12/4/2016</a:t>
             </a:fld>
             <a:endParaRPr lang="en-US"/>
           </a:p>
@@ -6207,68 +6211,6 @@
     </p:spTree>
     <p:extLst>
       <p:ext uri="{BB962C8B-B14F-4D97-AF65-F5344CB8AC3E}">
-        <p14:creationId xmlns:p14="http://schemas.microsoft.com/office/powerpoint/2010/main" val="4262448736"/>
-      </p:ext>
-    </p:extLst>
-  </p:cSld>
-  <p:clrMapOvr>
-    <a:masterClrMapping/>
-  </p:clrMapOvr>
-</p:sld>
-</file>
-
-<file path=ppt/slides/slide11.xml><?xml version="1.0" encoding="utf-8"?>
-<p:sld xmlns:a="http://schemas.openxmlformats.org/drawingml/2006/main" xmlns:r="http://schemas.openxmlformats.org/officeDocument/2006/relationships" xmlns:p="http://schemas.openxmlformats.org/presentationml/2006/main">
-  <p:cSld>
-    <p:spTree>
-      <p:nvGrpSpPr>
-        <p:cNvPr id="1" name=""/>
-        <p:cNvGrpSpPr/>
-        <p:nvPr/>
-      </p:nvGrpSpPr>
-      <p:grpSpPr>
-        <a:xfrm>
-          <a:off x="0" y="0"/>
-          <a:ext cx="0" cy="0"/>
-          <a:chOff x="0" y="0"/>
-          <a:chExt cx="0" cy="0"/>
-        </a:xfrm>
-      </p:grpSpPr>
-      <p:pic>
-        <p:nvPicPr>
-          <p:cNvPr id="4" name="Content Placeholder 3"/>
-          <p:cNvPicPr>
-            <a:picLocks noGrp="1"/>
-          </p:cNvPicPr>
-          <p:nvPr>
-            <p:ph idx="1"/>
-          </p:nvPr>
-        </p:nvPicPr>
-        <p:blipFill>
-          <a:blip r:embed="rId2" cstate="print">
-            <a:extLst>
-              <a:ext uri="{28A0092B-C50C-407E-A947-70E740481C1C}">
-                <a14:useLocalDpi xmlns:a14="http://schemas.microsoft.com/office/drawing/2010/main" val="0"/>
-              </a:ext>
-            </a:extLst>
-          </a:blip>
-          <a:stretch>
-            <a:fillRect/>
-          </a:stretch>
-        </p:blipFill>
-        <p:spPr>
-          <a:xfrm>
-            <a:off x="0" y="0"/>
-            <a:ext cx="12192000" cy="6858000"/>
-          </a:xfrm>
-          <a:prstGeom prst="rect">
-            <a:avLst/>
-          </a:prstGeom>
-        </p:spPr>
-      </p:pic>
-    </p:spTree>
-    <p:extLst>
-      <p:ext uri="{BB962C8B-B14F-4D97-AF65-F5344CB8AC3E}">
         <p14:creationId xmlns:p14="http://schemas.microsoft.com/office/powerpoint/2010/main" val="3167994480"/>
       </p:ext>
     </p:extLst>
@@ -6350,8 +6292,23 @@
           <a:p>
             <a:r>
               <a:rPr lang="fi-FI" baseline="0" dirty="0" smtClean="0"/>
-              <a:t>Toteutuskielenä C#</a:t>
-            </a:r>
+              <a:t>Toteutuskielenä C</a:t>
+            </a:r>
+            <a:r>
+              <a:rPr lang="fi-FI" baseline="0" dirty="0" smtClean="0"/>
+              <a:t>#</a:t>
+            </a:r>
+          </a:p>
+          <a:p>
+            <a:r>
+              <a:rPr lang="fi-FI" dirty="0" smtClean="0"/>
+              <a:t>Grafiikkakirjastona </a:t>
+            </a:r>
+            <a:r>
+              <a:rPr lang="fi-FI" dirty="0" err="1" smtClean="0"/>
+              <a:t>MonoGame</a:t>
+            </a:r>
+            <a:endParaRPr lang="fi-FI" baseline="0" dirty="0" smtClean="0"/>
           </a:p>
         </p:txBody>
       </p:sp>
@@ -6402,93 +6359,6 @@
           <a:p>
             <a:r>
               <a:rPr lang="fi-FI" dirty="0" smtClean="0"/>
-              <a:t>Teoria</a:t>
-            </a:r>
-            <a:endParaRPr lang="en-US" dirty="0"/>
-          </a:p>
-        </p:txBody>
-      </p:sp>
-      <p:sp>
-        <p:nvSpPr>
-          <p:cNvPr id="3" name="Content Placeholder 2"/>
-          <p:cNvSpPr>
-            <a:spLocks noGrp="1"/>
-          </p:cNvSpPr>
-          <p:nvPr>
-            <p:ph idx="1"/>
-          </p:nvPr>
-        </p:nvSpPr>
-        <p:spPr/>
-        <p:txBody>
-          <a:bodyPr/>
-          <a:lstStyle/>
-          <a:p>
-            <a:r>
-              <a:rPr lang="fi-FI" dirty="0" err="1" smtClean="0"/>
-              <a:t>Dijkstran</a:t>
-            </a:r>
-            <a:r>
-              <a:rPr lang="fi-FI" dirty="0" smtClean="0"/>
-              <a:t> algoritmi hakee nopeimman</a:t>
-            </a:r>
-            <a:r>
-              <a:rPr lang="fi-FI" baseline="0" dirty="0" smtClean="0"/>
-              <a:t> </a:t>
-            </a:r>
-            <a:r>
-              <a:rPr lang="fi-FI" dirty="0" smtClean="0"/>
-              <a:t>reitin kahden pisteen välillä.</a:t>
-            </a:r>
-          </a:p>
-        </p:txBody>
-      </p:sp>
-    </p:spTree>
-    <p:extLst>
-      <p:ext uri="{BB962C8B-B14F-4D97-AF65-F5344CB8AC3E}">
-        <p14:creationId xmlns:p14="http://schemas.microsoft.com/office/powerpoint/2010/main" val="971028278"/>
-      </p:ext>
-    </p:extLst>
-  </p:cSld>
-  <p:clrMapOvr>
-    <a:masterClrMapping/>
-  </p:clrMapOvr>
-</p:sld>
-</file>
-
-<file path=ppt/slides/slide4.xml><?xml version="1.0" encoding="utf-8"?>
-<p:sld xmlns:a="http://schemas.openxmlformats.org/drawingml/2006/main" xmlns:r="http://schemas.openxmlformats.org/officeDocument/2006/relationships" xmlns:p="http://schemas.openxmlformats.org/presentationml/2006/main">
-  <p:cSld>
-    <p:spTree>
-      <p:nvGrpSpPr>
-        <p:cNvPr id="1" name=""/>
-        <p:cNvGrpSpPr/>
-        <p:nvPr/>
-      </p:nvGrpSpPr>
-      <p:grpSpPr>
-        <a:xfrm>
-          <a:off x="0" y="0"/>
-          <a:ext cx="0" cy="0"/>
-          <a:chOff x="0" y="0"/>
-          <a:chExt cx="0" cy="0"/>
-        </a:xfrm>
-      </p:grpSpPr>
-      <p:sp>
-        <p:nvSpPr>
-          <p:cNvPr id="2" name="Title 1"/>
-          <p:cNvSpPr>
-            <a:spLocks noGrp="1"/>
-          </p:cNvSpPr>
-          <p:nvPr>
-            <p:ph type="title"/>
-          </p:nvPr>
-        </p:nvSpPr>
-        <p:spPr/>
-        <p:txBody>
-          <a:bodyPr/>
-          <a:lstStyle/>
-          <a:p>
-            <a:r>
-              <a:rPr lang="fi-FI" dirty="0" smtClean="0"/>
               <a:t>Koodi</a:t>
             </a:r>
             <a:endParaRPr lang="en-US" dirty="0"/>
@@ -6511,8 +6381,8 @@
         </p:blipFill>
         <p:spPr>
           <a:xfrm>
-            <a:off x="2731477" y="195904"/>
-            <a:ext cx="6591323" cy="6333850"/>
+            <a:off x="2619022" y="87842"/>
+            <a:ext cx="6987822" cy="6714860"/>
           </a:xfrm>
           <a:prstGeom prst="rect">
             <a:avLst/>
@@ -6532,7 +6402,7 @@
 </p:sld>
 </file>
 
-<file path=ppt/slides/slide5.xml><?xml version="1.0" encoding="utf-8"?>
+<file path=ppt/slides/slide4.xml><?xml version="1.0" encoding="utf-8"?>
 <p:sld xmlns:a="http://schemas.openxmlformats.org/drawingml/2006/main" xmlns:r="http://schemas.openxmlformats.org/officeDocument/2006/relationships" xmlns:p="http://schemas.openxmlformats.org/presentationml/2006/main">
   <p:cSld>
     <p:spTree>
@@ -6588,7 +6458,7 @@
 </p:sld>
 </file>
 
-<file path=ppt/slides/slide6.xml><?xml version="1.0" encoding="utf-8"?>
+<file path=ppt/slides/slide5.xml><?xml version="1.0" encoding="utf-8"?>
 <p:sld xmlns:a="http://schemas.openxmlformats.org/drawingml/2006/main" xmlns:r="http://schemas.openxmlformats.org/officeDocument/2006/relationships" xmlns:p="http://schemas.openxmlformats.org/presentationml/2006/main">
   <p:cSld>
     <p:spTree>
@@ -6663,7 +6533,7 @@
 </p:sld>
 </file>
 
-<file path=ppt/slides/slide7.xml><?xml version="1.0" encoding="utf-8"?>
+<file path=ppt/slides/slide6.xml><?xml version="1.0" encoding="utf-8"?>
 <p:sld xmlns:a="http://schemas.openxmlformats.org/drawingml/2006/main" xmlns:r="http://schemas.openxmlformats.org/officeDocument/2006/relationships" xmlns:p="http://schemas.openxmlformats.org/presentationml/2006/main">
   <p:cSld>
     <p:spTree>
@@ -6719,7 +6589,7 @@
 </p:sld>
 </file>
 
-<file path=ppt/slides/slide8.xml><?xml version="1.0" encoding="utf-8"?>
+<file path=ppt/slides/slide7.xml><?xml version="1.0" encoding="utf-8"?>
 <p:sld xmlns:a="http://schemas.openxmlformats.org/drawingml/2006/main" xmlns:r="http://schemas.openxmlformats.org/officeDocument/2006/relationships" xmlns:p="http://schemas.openxmlformats.org/presentationml/2006/main">
   <p:cSld>
     <p:spTree>
@@ -6781,7 +6651,7 @@
 </p:sld>
 </file>
 
-<file path=ppt/slides/slide9.xml><?xml version="1.0" encoding="utf-8"?>
+<file path=ppt/slides/slide8.xml><?xml version="1.0" encoding="utf-8"?>
 <p:sld xmlns:a="http://schemas.openxmlformats.org/drawingml/2006/main" xmlns:r="http://schemas.openxmlformats.org/officeDocument/2006/relationships" xmlns:p="http://schemas.openxmlformats.org/presentationml/2006/main">
   <p:cSld>
     <p:spTree>
@@ -6834,6 +6704,68 @@
     <p:extLst>
       <p:ext uri="{BB962C8B-B14F-4D97-AF65-F5344CB8AC3E}">
         <p14:creationId xmlns:p14="http://schemas.microsoft.com/office/powerpoint/2010/main" val="915469868"/>
+      </p:ext>
+    </p:extLst>
+  </p:cSld>
+  <p:clrMapOvr>
+    <a:masterClrMapping/>
+  </p:clrMapOvr>
+</p:sld>
+</file>
+
+<file path=ppt/slides/slide9.xml><?xml version="1.0" encoding="utf-8"?>
+<p:sld xmlns:a="http://schemas.openxmlformats.org/drawingml/2006/main" xmlns:r="http://schemas.openxmlformats.org/officeDocument/2006/relationships" xmlns:p="http://schemas.openxmlformats.org/presentationml/2006/main">
+  <p:cSld>
+    <p:spTree>
+      <p:nvGrpSpPr>
+        <p:cNvPr id="1" name=""/>
+        <p:cNvGrpSpPr/>
+        <p:nvPr/>
+      </p:nvGrpSpPr>
+      <p:grpSpPr>
+        <a:xfrm>
+          <a:off x="0" y="0"/>
+          <a:ext cx="0" cy="0"/>
+          <a:chOff x="0" y="0"/>
+          <a:chExt cx="0" cy="0"/>
+        </a:xfrm>
+      </p:grpSpPr>
+      <p:pic>
+        <p:nvPicPr>
+          <p:cNvPr id="4" name="Content Placeholder 3"/>
+          <p:cNvPicPr>
+            <a:picLocks noGrp="1"/>
+          </p:cNvPicPr>
+          <p:nvPr>
+            <p:ph idx="1"/>
+          </p:nvPr>
+        </p:nvPicPr>
+        <p:blipFill>
+          <a:blip r:embed="rId2" cstate="print">
+            <a:extLst>
+              <a:ext uri="{28A0092B-C50C-407E-A947-70E740481C1C}">
+                <a14:useLocalDpi xmlns:a14="http://schemas.microsoft.com/office/drawing/2010/main" val="0"/>
+              </a:ext>
+            </a:extLst>
+          </a:blip>
+          <a:stretch>
+            <a:fillRect/>
+          </a:stretch>
+        </p:blipFill>
+        <p:spPr>
+          <a:xfrm>
+            <a:off x="0" y="0"/>
+            <a:ext cx="12192000" cy="6858000"/>
+          </a:xfrm>
+          <a:prstGeom prst="rect">
+            <a:avLst/>
+          </a:prstGeom>
+        </p:spPr>
+      </p:pic>
+    </p:spTree>
+    <p:extLst>
+      <p:ext uri="{BB962C8B-B14F-4D97-AF65-F5344CB8AC3E}">
+        <p14:creationId xmlns:p14="http://schemas.microsoft.com/office/powerpoint/2010/main" val="4262448736"/>
       </p:ext>
     </p:extLst>
   </p:cSld>
